--- a/DOCS/Final-PPT-CardioShield-AI.pptx
+++ b/DOCS/Final-PPT-CardioShield-AI.pptx
@@ -28,7 +28,7 @@
       <p:regular r:id="rId14"/>
     </p:embeddedFont>
     <p:embeddedFont>
-      <p:font typeface="Barlow" panose="020F0502020204030204" pitchFamily="2" charset="0"/>
+      <p:font typeface="Barlow" panose="00000500000000000000" pitchFamily="2" charset="0"/>
       <p:regular r:id="rId15"/>
     </p:embeddedFont>
     <p:embeddedFont>
@@ -236,7 +236,7 @@
           <a:p>
             <a:fld id="{B7268E1E-0E44-426D-905E-8AD9B19D2182}" type="datetimeFigureOut">
               <a:rPr lang="cs-CZ" smtClean="0"/>
-              <a:t>24.02.2026</a:t>
+              <a:t>26.02.2026</a:t>
             </a:fld>
             <a:endParaRPr lang="cs-CZ"/>
           </a:p>
@@ -598,8 +598,8 @@
         </p:nvSpPr>
         <p:spPr>
           <a:xfrm>
-            <a:off x="2857500" y="512763"/>
-            <a:ext cx="3429000" cy="2566987"/>
+            <a:off x="2290763" y="512763"/>
+            <a:ext cx="4562475" cy="2566987"/>
           </a:xfrm>
           <a:prstGeom prst="rect">
             <a:avLst/>
@@ -2864,7 +2864,7 @@
             <a:fld id="{1D8BD707-D9CF-40AE-B4C6-C98DA3205C09}" type="datetimeFigureOut">
               <a:rPr lang="en-US" smtClean="0"/>
               <a:pPr/>
-              <a:t>2/24/2026</a:t>
+              <a:t>2/26/2026</a:t>
             </a:fld>
             <a:endParaRPr lang="en-US"/>
           </a:p>
@@ -3029,7 +3029,7 @@
             <a:fld id="{1D8BD707-D9CF-40AE-B4C6-C98DA3205C09}" type="datetimeFigureOut">
               <a:rPr lang="en-US" smtClean="0"/>
               <a:pPr/>
-              <a:t>2/24/2026</a:t>
+              <a:t>2/26/2026</a:t>
             </a:fld>
             <a:endParaRPr lang="en-US"/>
           </a:p>
@@ -3204,7 +3204,7 @@
             <a:fld id="{1D8BD707-D9CF-40AE-B4C6-C98DA3205C09}" type="datetimeFigureOut">
               <a:rPr lang="en-US" smtClean="0"/>
               <a:pPr/>
-              <a:t>2/24/2026</a:t>
+              <a:t>2/26/2026</a:t>
             </a:fld>
             <a:endParaRPr lang="en-US"/>
           </a:p>
@@ -3369,7 +3369,7 @@
             <a:fld id="{1D8BD707-D9CF-40AE-B4C6-C98DA3205C09}" type="datetimeFigureOut">
               <a:rPr lang="en-US" smtClean="0"/>
               <a:pPr/>
-              <a:t>2/24/2026</a:t>
+              <a:t>2/26/2026</a:t>
             </a:fld>
             <a:endParaRPr lang="en-US"/>
           </a:p>
@@ -3611,7 +3611,7 @@
             <a:fld id="{1D8BD707-D9CF-40AE-B4C6-C98DA3205C09}" type="datetimeFigureOut">
               <a:rPr lang="en-US" smtClean="0"/>
               <a:pPr/>
-              <a:t>2/24/2026</a:t>
+              <a:t>2/26/2026</a:t>
             </a:fld>
             <a:endParaRPr lang="en-US"/>
           </a:p>
@@ -3893,7 +3893,7 @@
             <a:fld id="{1D8BD707-D9CF-40AE-B4C6-C98DA3205C09}" type="datetimeFigureOut">
               <a:rPr lang="en-US" smtClean="0"/>
               <a:pPr/>
-              <a:t>2/24/2026</a:t>
+              <a:t>2/26/2026</a:t>
             </a:fld>
             <a:endParaRPr lang="en-US"/>
           </a:p>
@@ -4309,7 +4309,7 @@
             <a:fld id="{1D8BD707-D9CF-40AE-B4C6-C98DA3205C09}" type="datetimeFigureOut">
               <a:rPr lang="en-US" smtClean="0"/>
               <a:pPr/>
-              <a:t>2/24/2026</a:t>
+              <a:t>2/26/2026</a:t>
             </a:fld>
             <a:endParaRPr lang="en-US"/>
           </a:p>
@@ -4423,7 +4423,7 @@
             <a:fld id="{1D8BD707-D9CF-40AE-B4C6-C98DA3205C09}" type="datetimeFigureOut">
               <a:rPr lang="en-US" smtClean="0"/>
               <a:pPr/>
-              <a:t>2/24/2026</a:t>
+              <a:t>2/26/2026</a:t>
             </a:fld>
             <a:endParaRPr lang="en-US"/>
           </a:p>
@@ -4515,7 +4515,7 @@
             <a:fld id="{1D8BD707-D9CF-40AE-B4C6-C98DA3205C09}" type="datetimeFigureOut">
               <a:rPr lang="en-US" smtClean="0"/>
               <a:pPr/>
-              <a:t>2/24/2026</a:t>
+              <a:t>2/26/2026</a:t>
             </a:fld>
             <a:endParaRPr lang="en-US"/>
           </a:p>
@@ -4787,7 +4787,7 @@
             <a:fld id="{1D8BD707-D9CF-40AE-B4C6-C98DA3205C09}" type="datetimeFigureOut">
               <a:rPr lang="en-US" smtClean="0"/>
               <a:pPr/>
-              <a:t>2/24/2026</a:t>
+              <a:t>2/26/2026</a:t>
             </a:fld>
             <a:endParaRPr lang="en-US"/>
           </a:p>
@@ -5036,7 +5036,7 @@
             <a:fld id="{1D8BD707-D9CF-40AE-B4C6-C98DA3205C09}" type="datetimeFigureOut">
               <a:rPr lang="en-US" smtClean="0"/>
               <a:pPr/>
-              <a:t>2/24/2026</a:t>
+              <a:t>2/26/2026</a:t>
             </a:fld>
             <a:endParaRPr lang="en-US"/>
           </a:p>
@@ -5244,7 +5244,7 @@
             <a:fld id="{1D8BD707-D9CF-40AE-B4C6-C98DA3205C09}" type="datetimeFigureOut">
               <a:rPr lang="en-US" smtClean="0"/>
               <a:pPr/>
-              <a:t>2/24/2026</a:t>
+              <a:t>2/26/2026</a:t>
             </a:fld>
             <a:endParaRPr lang="en-US"/>
           </a:p>
@@ -5684,7 +5684,7 @@
         </p:nvGrpSpPr>
         <p:grpSpPr>
           <a:xfrm>
-            <a:off x="0" y="0"/>
+            <a:off x="-85763" y="-76498"/>
             <a:ext cx="18288000" cy="10287000"/>
             <a:chOff x="0" y="0"/>
             <a:chExt cx="24384000" cy="13716000"/>
@@ -6167,119 +6167,6 @@
       </p:sp>
       <p:grpSp>
         <p:nvGrpSpPr>
-          <p:cNvPr id="18" name="Group 18"/>
-          <p:cNvGrpSpPr/>
-          <p:nvPr/>
-        </p:nvGrpSpPr>
-        <p:grpSpPr>
-          <a:xfrm>
-            <a:off x="4583611" y="5952382"/>
-            <a:ext cx="1131837" cy="580130"/>
-            <a:chOff x="0" y="0"/>
-            <a:chExt cx="1509116" cy="773506"/>
-          </a:xfrm>
-        </p:grpSpPr>
-        <p:sp>
-          <p:nvSpPr>
-            <p:cNvPr id="19" name="Freeform 19"/>
-            <p:cNvSpPr/>
-            <p:nvPr/>
-          </p:nvSpPr>
-          <p:spPr>
-            <a:xfrm>
-              <a:off x="0" y="0"/>
-              <a:ext cx="1509014" cy="773557"/>
-            </a:xfrm>
-            <a:custGeom>
-              <a:avLst/>
-              <a:gdLst/>
-              <a:ahLst/>
-              <a:cxnLst/>
-              <a:rect l="l" t="t" r="r" b="b"/>
-              <a:pathLst>
-                <a:path w="1509014" h="773557">
-                  <a:moveTo>
-                    <a:pt x="0" y="386715"/>
-                  </a:moveTo>
-                  <a:cubicBezTo>
-                    <a:pt x="0" y="173101"/>
-                    <a:pt x="173101" y="0"/>
-                    <a:pt x="386715" y="0"/>
-                  </a:cubicBezTo>
-                  <a:lnTo>
-                    <a:pt x="1122299" y="0"/>
-                  </a:lnTo>
-                  <a:cubicBezTo>
-                    <a:pt x="1335913" y="0"/>
-                    <a:pt x="1509014" y="173101"/>
-                    <a:pt x="1509014" y="386715"/>
-                  </a:cubicBezTo>
-                  <a:cubicBezTo>
-                    <a:pt x="1509014" y="600329"/>
-                    <a:pt x="1335913" y="773557"/>
-                    <a:pt x="1122299" y="773557"/>
-                  </a:cubicBezTo>
-                  <a:lnTo>
-                    <a:pt x="386715" y="773557"/>
-                  </a:lnTo>
-                  <a:cubicBezTo>
-                    <a:pt x="173101" y="773557"/>
-                    <a:pt x="0" y="600329"/>
-                    <a:pt x="0" y="386715"/>
-                  </a:cubicBezTo>
-                  <a:close/>
-                </a:path>
-              </a:pathLst>
-            </a:custGeom>
-            <a:solidFill>
-              <a:srgbClr val="004D36"/>
-            </a:solidFill>
-          </p:spPr>
-        </p:sp>
-      </p:grpSp>
-      <p:sp>
-        <p:nvSpPr>
-          <p:cNvPr id="20" name="TextBox 20"/>
-          <p:cNvSpPr txBox="1"/>
-          <p:nvPr/>
-        </p:nvSpPr>
-        <p:spPr>
-          <a:xfrm>
-            <a:off x="4765177" y="6029686"/>
-            <a:ext cx="761552" cy="349322"/>
-          </a:xfrm>
-          <a:prstGeom prst="rect">
-            <a:avLst/>
-          </a:prstGeom>
-        </p:spPr>
-        <p:txBody>
-          <a:bodyPr lIns="0" tIns="0" rIns="0" bIns="0" rtlCol="0" anchor="t">
-            <a:spAutoFit/>
-          </a:bodyPr>
-          <a:lstStyle/>
-          <a:p>
-            <a:pPr algn="l">
-              <a:lnSpc>
-                <a:spcPts val="2904"/>
-              </a:lnSpc>
-            </a:pPr>
-            <a:r>
-              <a:rPr lang="en-US" sz="1837">
-                <a:solidFill>
-                  <a:srgbClr val="E0E4E6"/>
-                </a:solidFill>
-                <a:latin typeface="Barlow"/>
-                <a:ea typeface="Barlow"/>
-                <a:cs typeface="Barlow"/>
-                <a:sym typeface="Barlow"/>
-              </a:rPr>
-              <a:t>SMOTE</a:t>
-            </a:r>
-          </a:p>
-        </p:txBody>
-      </p:sp>
-      <p:grpSp>
-        <p:nvGrpSpPr>
           <p:cNvPr id="21" name="Group 21"/>
           <p:cNvGrpSpPr/>
           <p:nvPr/>
@@ -6738,7 +6625,7 @@
         </p:nvGrpSpPr>
         <p:grpSpPr>
           <a:xfrm>
-            <a:off x="5592661" y="6879584"/>
+            <a:off x="4647829" y="5952325"/>
             <a:ext cx="1096861" cy="580130"/>
             <a:chOff x="0" y="0"/>
             <a:chExt cx="1462481" cy="773506"/>
@@ -6800,6 +6687,13 @@
               <a:srgbClr val="004D36"/>
             </a:solidFill>
           </p:spPr>
+          <p:txBody>
+            <a:bodyPr/>
+            <a:lstStyle/>
+            <a:p>
+              <a:endParaRPr lang="en-IN"/>
+            </a:p>
+          </p:txBody>
         </p:sp>
       </p:grpSp>
       <p:sp>
@@ -6810,7 +6704,7 @@
         </p:nvSpPr>
         <p:spPr>
           <a:xfrm>
-            <a:off x="5777803" y="6923037"/>
+            <a:off x="4859835" y="6067748"/>
             <a:ext cx="726577" cy="349322"/>
           </a:xfrm>
           <a:prstGeom prst="rect">
@@ -6829,7 +6723,7 @@
               </a:lnSpc>
             </a:pPr>
             <a:r>
-              <a:rPr lang="en-US" sz="1837">
+              <a:rPr lang="en-US" sz="1837" dirty="0">
                 <a:solidFill>
                   <a:srgbClr val="E0E4E6"/>
                 </a:solidFill>
@@ -15806,7 +15700,7 @@
         <p:spPr>
           <a:xfrm>
             <a:off x="1323527" y="4734373"/>
-            <a:ext cx="4613072" cy="412994"/>
+            <a:ext cx="4613072" cy="315792"/>
           </a:xfrm>
           <a:prstGeom prst="rect">
             <a:avLst/>
@@ -15824,7 +15718,7 @@
               </a:lnSpc>
             </a:pPr>
             <a:r>
-              <a:rPr lang="en-US" sz="1812" i="1">
+              <a:rPr lang="en-US" sz="1812" i="1" dirty="0">
                 <a:solidFill>
                   <a:srgbClr val="E0E4E6"/>
                 </a:solidFill>
@@ -15833,7 +15727,7 @@
                 <a:cs typeface="Barlow Italics"/>
                 <a:sym typeface="Barlow Italics"/>
               </a:rPr>
-              <a:t>Model Prediction Probability: 0-33%</a:t>
+              <a:t>Model Prediction Probability: 0-42%</a:t>
             </a:r>
           </a:p>
         </p:txBody>
@@ -16227,7 +16121,7 @@
         <p:spPr>
           <a:xfrm>
             <a:off x="6837464" y="4734373"/>
-            <a:ext cx="4613072" cy="412994"/>
+            <a:ext cx="4613072" cy="315792"/>
           </a:xfrm>
           <a:prstGeom prst="rect">
             <a:avLst/>
@@ -16245,7 +16139,7 @@
               </a:lnSpc>
             </a:pPr>
             <a:r>
-              <a:rPr lang="en-US" sz="1812" i="1">
+              <a:rPr lang="en-US" sz="1812" i="1" dirty="0">
                 <a:solidFill>
                   <a:srgbClr val="E0E4E6"/>
                 </a:solidFill>
@@ -16254,7 +16148,7 @@
                 <a:cs typeface="Barlow Italics"/>
                 <a:sym typeface="Barlow Italics"/>
               </a:rPr>
-              <a:t>Model Prediction Probability: 34-66%</a:t>
+              <a:t>Model Prediction Probability: 42-65%</a:t>
             </a:r>
           </a:p>
         </p:txBody>
@@ -16648,7 +16542,7 @@
         <p:spPr>
           <a:xfrm>
             <a:off x="12351391" y="4734373"/>
-            <a:ext cx="4613072" cy="412994"/>
+            <a:ext cx="4613072" cy="315792"/>
           </a:xfrm>
           <a:prstGeom prst="rect">
             <a:avLst/>
@@ -16666,7 +16560,7 @@
               </a:lnSpc>
             </a:pPr>
             <a:r>
-              <a:rPr lang="en-US" sz="1812" i="1">
+              <a:rPr lang="en-US" sz="1812" i="1" dirty="0">
                 <a:solidFill>
                   <a:srgbClr val="E0E4E6"/>
                 </a:solidFill>
@@ -16675,7 +16569,7 @@
                 <a:cs typeface="Barlow Italics"/>
                 <a:sym typeface="Barlow Italics"/>
               </a:rPr>
-              <a:t>Model Prediction Probability: 67-100%</a:t>
+              <a:t>Model Prediction Probability: 65-100%</a:t>
             </a:r>
           </a:p>
         </p:txBody>
@@ -18429,6 +18323,13 @@
             </a:stretch>
           </a:blipFill>
         </p:spPr>
+        <p:txBody>
+          <a:bodyPr/>
+          <a:lstStyle/>
+          <a:p>
+            <a:endParaRPr lang="en-IN" dirty="0"/>
+          </a:p>
+        </p:txBody>
       </p:sp>
     </p:spTree>
   </p:cSld>

--- a/DOCS/Final-PPT-CardioShield-AI.pptx
+++ b/DOCS/Final-PPT-CardioShield-AI.pptx
@@ -8757,140 +8757,6 @@
           </a:p>
         </p:txBody>
       </p:sp>
-      <p:sp>
-        <p:nvSpPr>
-          <p:cNvPr id="44" name="Freeform 44" descr="preencoded.png"/>
-          <p:cNvSpPr/>
-          <p:nvPr/>
-        </p:nvSpPr>
-        <p:spPr>
-          <a:xfrm>
-            <a:off x="9504464" y="7234085"/>
-            <a:ext cx="330098" cy="330098"/>
-          </a:xfrm>
-          <a:custGeom>
-            <a:avLst/>
-            <a:gdLst/>
-            <a:ahLst/>
-            <a:cxnLst/>
-            <a:rect l="l" t="t" r="r" b="b"/>
-            <a:pathLst>
-              <a:path w="330098" h="330098">
-                <a:moveTo>
-                  <a:pt x="0" y="0"/>
-                </a:moveTo>
-                <a:lnTo>
-                  <a:pt x="330098" y="0"/>
-                </a:lnTo>
-                <a:lnTo>
-                  <a:pt x="330098" y="330099"/>
-                </a:lnTo>
-                <a:lnTo>
-                  <a:pt x="0" y="330099"/>
-                </a:lnTo>
-                <a:lnTo>
-                  <a:pt x="0" y="0"/>
-                </a:lnTo>
-                <a:close/>
-              </a:path>
-            </a:pathLst>
-          </a:custGeom>
-          <a:blipFill>
-            <a:blip r:embed="rId16">
-              <a:extLst>
-                <a:ext uri="{96DAC541-7B7A-43D3-8B79-37D633B846F1}">
-                  <asvg:svgBlip xmlns:asvg="http://schemas.microsoft.com/office/drawing/2016/SVG/main" r:embed="rId17"/>
-                </a:ext>
-              </a:extLst>
-            </a:blip>
-            <a:stretch>
-              <a:fillRect l="-8572" r="-8569"/>
-            </a:stretch>
-          </a:blipFill>
-        </p:spPr>
-      </p:sp>
-      <p:sp>
-        <p:nvSpPr>
-          <p:cNvPr id="45" name="TextBox 45"/>
-          <p:cNvSpPr txBox="1"/>
-          <p:nvPr/>
-        </p:nvSpPr>
-        <p:spPr>
-          <a:xfrm>
-            <a:off x="10137277" y="7189289"/>
-            <a:ext cx="2445991" cy="343938"/>
-          </a:xfrm>
-          <a:prstGeom prst="rect">
-            <a:avLst/>
-          </a:prstGeom>
-        </p:spPr>
-        <p:txBody>
-          <a:bodyPr lIns="0" tIns="0" rIns="0" bIns="0" rtlCol="0" anchor="t">
-            <a:spAutoFit/>
-          </a:bodyPr>
-          <a:lstStyle/>
-          <a:p>
-            <a:pPr algn="l">
-              <a:lnSpc>
-                <a:spcPts val="2375"/>
-              </a:lnSpc>
-            </a:pPr>
-            <a:r>
-              <a:rPr lang="en-US" sz="1874" b="1">
-                <a:solidFill>
-                  <a:srgbClr val="E0E4E6"/>
-                </a:solidFill>
-                <a:latin typeface="Arimo Bold"/>
-                <a:ea typeface="Arimo Bold"/>
-                <a:cs typeface="Arimo Bold"/>
-                <a:sym typeface="Arimo Bold"/>
-              </a:rPr>
-              <a:t>Cloud Deployment</a:t>
-            </a:r>
-          </a:p>
-        </p:txBody>
-      </p:sp>
-      <p:sp>
-        <p:nvSpPr>
-          <p:cNvPr id="46" name="TextBox 46"/>
-          <p:cNvSpPr txBox="1"/>
-          <p:nvPr/>
-        </p:nvSpPr>
-        <p:spPr>
-          <a:xfrm>
-            <a:off x="10137277" y="7652147"/>
-            <a:ext cx="5767092" cy="641452"/>
-          </a:xfrm>
-          <a:prstGeom prst="rect">
-            <a:avLst/>
-          </a:prstGeom>
-        </p:spPr>
-        <p:txBody>
-          <a:bodyPr lIns="0" tIns="0" rIns="0" bIns="0" rtlCol="0" anchor="t">
-            <a:spAutoFit/>
-          </a:bodyPr>
-          <a:lstStyle/>
-          <a:p>
-            <a:pPr algn="l">
-              <a:lnSpc>
-                <a:spcPts val="2375"/>
-              </a:lnSpc>
-            </a:pPr>
-            <a:r>
-              <a:rPr lang="en-US" sz="1687">
-                <a:solidFill>
-                  <a:srgbClr val="E0E4E6"/>
-                </a:solidFill>
-                <a:latin typeface="Barlow"/>
-                <a:ea typeface="Barlow"/>
-                <a:cs typeface="Barlow"/>
-                <a:sym typeface="Barlow"/>
-              </a:rPr>
-              <a:t>Ensuring robust, scalable, and secure infrastructure for global access.</a:t>
-            </a:r>
-          </a:p>
-        </p:txBody>
-      </p:sp>
     </p:spTree>
   </p:cSld>
   <p:clrMapOvr>
@@ -12455,7 +12321,7 @@
         <p:spPr>
           <a:xfrm>
             <a:off x="2390184" y="2653446"/>
-            <a:ext cx="3147527" cy="412490"/>
+            <a:ext cx="3147527" cy="369332"/>
           </a:xfrm>
           <a:prstGeom prst="rect">
             <a:avLst/>
@@ -12473,7 +12339,7 @@
               </a:lnSpc>
             </a:pPr>
             <a:r>
-              <a:rPr lang="en-US" sz="2437" b="1">
+              <a:rPr lang="en-US" sz="2437" b="1" dirty="0">
                 <a:solidFill>
                   <a:srgbClr val="000000"/>
                 </a:solidFill>
@@ -12482,7 +12348,7 @@
                 <a:cs typeface="Arimo Bold"/>
                 <a:sym typeface="Arimo Bold"/>
               </a:rPr>
-              <a:t>Missing Values</a:t>
+              <a:t>Data Processing</a:t>
             </a:r>
           </a:p>
         </p:txBody>
@@ -14187,7 +14053,7 @@
               </a:lnSpc>
             </a:pPr>
             <a:r>
-              <a:rPr lang="en-US" sz="2375">
+              <a:rPr lang="en-US" sz="2375" dirty="0">
                 <a:solidFill>
                   <a:srgbClr val="E0E4E6"/>
                 </a:solidFill>
@@ -14349,7 +14215,7 @@
         <p:spPr>
           <a:xfrm>
             <a:off x="4627664" y="5290099"/>
-            <a:ext cx="1950539" cy="596503"/>
+            <a:ext cx="1950539" cy="426399"/>
           </a:xfrm>
           <a:prstGeom prst="rect">
             <a:avLst/>
@@ -14367,7 +14233,48 @@
               </a:lnSpc>
             </a:pPr>
             <a:r>
-              <a:rPr lang="en-US" sz="2375">
+              <a:rPr lang="en-US" sz="2375" dirty="0">
+                <a:solidFill>
+                  <a:srgbClr val="E0E4E6"/>
+                </a:solidFill>
+                <a:latin typeface="Barlow"/>
+                <a:ea typeface="Barlow"/>
+                <a:cs typeface="Barlow"/>
+                <a:sym typeface="Barlow"/>
+              </a:rPr>
+              <a:t>0.87</a:t>
+            </a:r>
+          </a:p>
+        </p:txBody>
+      </p:sp>
+      <p:sp>
+        <p:nvSpPr>
+          <p:cNvPr id="29" name="TextBox 29"/>
+          <p:cNvSpPr txBox="1"/>
+          <p:nvPr/>
+        </p:nvSpPr>
+        <p:spPr>
+          <a:xfrm>
+            <a:off x="7202986" y="5290099"/>
+            <a:ext cx="1950539" cy="426399"/>
+          </a:xfrm>
+          <a:prstGeom prst="rect">
+            <a:avLst/>
+          </a:prstGeom>
+        </p:spPr>
+        <p:txBody>
+          <a:bodyPr lIns="0" tIns="0" rIns="0" bIns="0" rtlCol="0" anchor="t">
+            <a:spAutoFit/>
+          </a:bodyPr>
+          <a:lstStyle/>
+          <a:p>
+            <a:pPr algn="l">
+              <a:lnSpc>
+                <a:spcPts val="3812"/>
+              </a:lnSpc>
+            </a:pPr>
+            <a:r>
+              <a:rPr lang="en-US" sz="2375" dirty="0">
                 <a:solidFill>
                   <a:srgbClr val="E0E4E6"/>
                 </a:solidFill>
@@ -14383,14 +14290,14 @@
       </p:sp>
       <p:sp>
         <p:nvSpPr>
-          <p:cNvPr id="29" name="TextBox 29"/>
+          <p:cNvPr id="30" name="TextBox 30"/>
           <p:cNvSpPr txBox="1"/>
           <p:nvPr/>
         </p:nvSpPr>
         <p:spPr>
           <a:xfrm>
-            <a:off x="7202986" y="5290099"/>
-            <a:ext cx="1950539" cy="596503"/>
+            <a:off x="9778308" y="5290099"/>
+            <a:ext cx="1950539" cy="426399"/>
           </a:xfrm>
           <a:prstGeom prst="rect">
             <a:avLst/>
@@ -14408,7 +14315,7 @@
               </a:lnSpc>
             </a:pPr>
             <a:r>
-              <a:rPr lang="en-US" sz="2375">
+              <a:rPr lang="en-US" sz="2375" dirty="0">
                 <a:solidFill>
                   <a:srgbClr val="E0E4E6"/>
                 </a:solidFill>
@@ -14417,21 +14324,21 @@
                 <a:cs typeface="Barlow"/>
                 <a:sym typeface="Barlow"/>
               </a:rPr>
-              <a:t>0.89</a:t>
-            </a:r>
-          </a:p>
-        </p:txBody>
-      </p:sp>
-      <p:sp>
-        <p:nvSpPr>
-          <p:cNvPr id="30" name="TextBox 30"/>
+              <a:t>0.86</a:t>
+            </a:r>
+          </a:p>
+        </p:txBody>
+      </p:sp>
+      <p:sp>
+        <p:nvSpPr>
+          <p:cNvPr id="31" name="TextBox 31"/>
           <p:cNvSpPr txBox="1"/>
           <p:nvPr/>
         </p:nvSpPr>
         <p:spPr>
           <a:xfrm>
-            <a:off x="9778308" y="5290099"/>
-            <a:ext cx="1950539" cy="596503"/>
+            <a:off x="12353630" y="5290099"/>
+            <a:ext cx="1950539" cy="426399"/>
           </a:xfrm>
           <a:prstGeom prst="rect">
             <a:avLst/>
@@ -14449,7 +14356,7 @@
               </a:lnSpc>
             </a:pPr>
             <a:r>
-              <a:rPr lang="en-US" sz="2375">
+              <a:rPr lang="en-US" sz="2375" dirty="0">
                 <a:solidFill>
                   <a:srgbClr val="E0E4E6"/>
                 </a:solidFill>
@@ -14458,21 +14365,21 @@
                 <a:cs typeface="Barlow"/>
                 <a:sym typeface="Barlow"/>
               </a:rPr>
-              <a:t>0.88</a:t>
-            </a:r>
-          </a:p>
-        </p:txBody>
-      </p:sp>
-      <p:sp>
-        <p:nvSpPr>
-          <p:cNvPr id="31" name="TextBox 31"/>
+              <a:t>0.96</a:t>
+            </a:r>
+          </a:p>
+        </p:txBody>
+      </p:sp>
+      <p:sp>
+        <p:nvSpPr>
+          <p:cNvPr id="32" name="TextBox 32"/>
           <p:cNvSpPr txBox="1"/>
           <p:nvPr/>
         </p:nvSpPr>
         <p:spPr>
           <a:xfrm>
-            <a:off x="12353630" y="5290099"/>
-            <a:ext cx="1950539" cy="596503"/>
+            <a:off x="14928952" y="5290099"/>
+            <a:ext cx="1955302" cy="426399"/>
           </a:xfrm>
           <a:prstGeom prst="rect">
             <a:avLst/>
@@ -14490,7 +14397,7 @@
               </a:lnSpc>
             </a:pPr>
             <a:r>
-              <a:rPr lang="en-US" sz="2375">
+              <a:rPr lang="en-US" sz="2375" dirty="0">
                 <a:solidFill>
                   <a:srgbClr val="E0E4E6"/>
                 </a:solidFill>
@@ -14499,48 +14406,7 @@
                 <a:cs typeface="Barlow"/>
                 <a:sym typeface="Barlow"/>
               </a:rPr>
-              <a:t>0.97</a:t>
-            </a:r>
-          </a:p>
-        </p:txBody>
-      </p:sp>
-      <p:sp>
-        <p:nvSpPr>
-          <p:cNvPr id="32" name="TextBox 32"/>
-          <p:cNvSpPr txBox="1"/>
-          <p:nvPr/>
-        </p:nvSpPr>
-        <p:spPr>
-          <a:xfrm>
-            <a:off x="14928952" y="5290099"/>
-            <a:ext cx="1955302" cy="596503"/>
-          </a:xfrm>
-          <a:prstGeom prst="rect">
-            <a:avLst/>
-          </a:prstGeom>
-        </p:spPr>
-        <p:txBody>
-          <a:bodyPr lIns="0" tIns="0" rIns="0" bIns="0" rtlCol="0" anchor="t">
-            <a:spAutoFit/>
-          </a:bodyPr>
-          <a:lstStyle/>
-          <a:p>
-            <a:pPr algn="l">
-              <a:lnSpc>
-                <a:spcPts val="3812"/>
-              </a:lnSpc>
-            </a:pPr>
-            <a:r>
-              <a:rPr lang="en-US" sz="2375">
-                <a:solidFill>
-                  <a:srgbClr val="E0E4E6"/>
-                </a:solidFill>
-                <a:latin typeface="Barlow"/>
-                <a:ea typeface="Barlow"/>
-                <a:cs typeface="Barlow"/>
-                <a:sym typeface="Barlow"/>
-              </a:rPr>
-              <a:t>0.97</a:t>
+              <a:t>0.96</a:t>
             </a:r>
           </a:p>
         </p:txBody>
@@ -14611,7 +14477,7 @@
         <p:spPr>
           <a:xfrm>
             <a:off x="1403747" y="6169076"/>
-            <a:ext cx="2599134" cy="596503"/>
+            <a:ext cx="2599134" cy="426399"/>
           </a:xfrm>
           <a:prstGeom prst="rect">
             <a:avLst/>
@@ -14629,7 +14495,7 @@
               </a:lnSpc>
             </a:pPr>
             <a:r>
-              <a:rPr lang="en-US" sz="2375">
+              <a:rPr lang="en-US" sz="2375" dirty="0">
                 <a:solidFill>
                   <a:srgbClr val="E0E4E6"/>
                 </a:solidFill>
@@ -14638,7 +14504,7 @@
                 <a:cs typeface="Barlow"/>
                 <a:sym typeface="Barlow"/>
               </a:rPr>
-              <a:t>TabNet</a:t>
+              <a:t>Neural Network</a:t>
             </a:r>
           </a:p>
         </p:txBody>
@@ -14711,7 +14577,7 @@
               </a:lnSpc>
             </a:pPr>
             <a:r>
-              <a:rPr lang="en-US" sz="2375">
+              <a:rPr lang="en-US" sz="2375" dirty="0">
                 <a:solidFill>
                   <a:srgbClr val="E0E4E6"/>
                 </a:solidFill>
@@ -14734,7 +14600,7 @@
         <p:spPr>
           <a:xfrm>
             <a:off x="9778308" y="6169076"/>
-            <a:ext cx="1950539" cy="596503"/>
+            <a:ext cx="1950539" cy="426399"/>
           </a:xfrm>
           <a:prstGeom prst="rect">
             <a:avLst/>
@@ -14752,7 +14618,7 @@
               </a:lnSpc>
             </a:pPr>
             <a:r>
-              <a:rPr lang="en-US" sz="2375">
+              <a:rPr lang="en-US" sz="2375" dirty="0">
                 <a:solidFill>
                   <a:srgbClr val="E0E4E6"/>
                 </a:solidFill>
@@ -14761,7 +14627,7 @@
                 <a:cs typeface="Barlow"/>
                 <a:sym typeface="Barlow"/>
               </a:rPr>
-              <a:t>0.88</a:t>
+              <a:t>0.87</a:t>
             </a:r>
           </a:p>
         </p:txBody>
@@ -14775,7 +14641,7 @@
         <p:spPr>
           <a:xfrm>
             <a:off x="12353630" y="6169076"/>
-            <a:ext cx="1950539" cy="596503"/>
+            <a:ext cx="1950539" cy="426399"/>
           </a:xfrm>
           <a:prstGeom prst="rect">
             <a:avLst/>
@@ -14793,7 +14659,7 @@
               </a:lnSpc>
             </a:pPr>
             <a:r>
-              <a:rPr lang="en-US" sz="2375">
+              <a:rPr lang="en-US" sz="2375" dirty="0">
                 <a:solidFill>
                   <a:srgbClr val="E0E4E6"/>
                 </a:solidFill>
@@ -14802,7 +14668,7 @@
                 <a:cs typeface="Barlow"/>
                 <a:sym typeface="Barlow"/>
               </a:rPr>
-              <a:t>0.97</a:t>
+              <a:t>0.96</a:t>
             </a:r>
           </a:p>
         </p:txBody>
@@ -14816,7 +14682,7 @@
         <p:spPr>
           <a:xfrm>
             <a:off x="14928952" y="6169076"/>
-            <a:ext cx="1955302" cy="596503"/>
+            <a:ext cx="1955302" cy="426399"/>
           </a:xfrm>
           <a:prstGeom prst="rect">
             <a:avLst/>
@@ -14834,7 +14700,7 @@
               </a:lnSpc>
             </a:pPr>
             <a:r>
-              <a:rPr lang="en-US" sz="2375">
+              <a:rPr lang="en-US" sz="2375" dirty="0">
                 <a:solidFill>
                   <a:srgbClr val="E0E4E6"/>
                 </a:solidFill>
@@ -14843,7 +14709,7 @@
                 <a:cs typeface="Barlow"/>
                 <a:sym typeface="Barlow"/>
               </a:rPr>
-              <a:t>0.97</a:t>
+              <a:t>0.96</a:t>
             </a:r>
           </a:p>
         </p:txBody>
@@ -14955,6 +14821,88 @@
         <p:spPr>
           <a:xfrm>
             <a:off x="4627664" y="7048052"/>
+            <a:ext cx="1950539" cy="426399"/>
+          </a:xfrm>
+          <a:prstGeom prst="rect">
+            <a:avLst/>
+          </a:prstGeom>
+        </p:spPr>
+        <p:txBody>
+          <a:bodyPr lIns="0" tIns="0" rIns="0" bIns="0" rtlCol="0" anchor="t">
+            <a:spAutoFit/>
+          </a:bodyPr>
+          <a:lstStyle/>
+          <a:p>
+            <a:pPr algn="l">
+              <a:lnSpc>
+                <a:spcPts val="3812"/>
+              </a:lnSpc>
+            </a:pPr>
+            <a:r>
+              <a:rPr lang="en-US" sz="2375" dirty="0">
+                <a:solidFill>
+                  <a:srgbClr val="E0E4E6"/>
+                </a:solidFill>
+                <a:latin typeface="Barlow"/>
+                <a:ea typeface="Barlow"/>
+                <a:cs typeface="Barlow"/>
+                <a:sym typeface="Barlow"/>
+              </a:rPr>
+              <a:t>0.89</a:t>
+            </a:r>
+          </a:p>
+        </p:txBody>
+      </p:sp>
+      <p:sp>
+        <p:nvSpPr>
+          <p:cNvPr id="45" name="TextBox 45"/>
+          <p:cNvSpPr txBox="1"/>
+          <p:nvPr/>
+        </p:nvSpPr>
+        <p:spPr>
+          <a:xfrm>
+            <a:off x="7202986" y="7048052"/>
+            <a:ext cx="1950539" cy="426399"/>
+          </a:xfrm>
+          <a:prstGeom prst="rect">
+            <a:avLst/>
+          </a:prstGeom>
+        </p:spPr>
+        <p:txBody>
+          <a:bodyPr lIns="0" tIns="0" rIns="0" bIns="0" rtlCol="0" anchor="t">
+            <a:spAutoFit/>
+          </a:bodyPr>
+          <a:lstStyle/>
+          <a:p>
+            <a:pPr algn="l">
+              <a:lnSpc>
+                <a:spcPts val="3812"/>
+              </a:lnSpc>
+            </a:pPr>
+            <a:r>
+              <a:rPr lang="en-US" sz="2375" dirty="0">
+                <a:solidFill>
+                  <a:srgbClr val="E0E4E6"/>
+                </a:solidFill>
+                <a:latin typeface="Barlow"/>
+                <a:ea typeface="Barlow"/>
+                <a:cs typeface="Barlow"/>
+                <a:sym typeface="Barlow"/>
+              </a:rPr>
+              <a:t>0.91</a:t>
+            </a:r>
+          </a:p>
+        </p:txBody>
+      </p:sp>
+      <p:sp>
+        <p:nvSpPr>
+          <p:cNvPr id="46" name="TextBox 46"/>
+          <p:cNvSpPr txBox="1"/>
+          <p:nvPr/>
+        </p:nvSpPr>
+        <p:spPr>
+          <a:xfrm>
+            <a:off x="9778308" y="7048052"/>
             <a:ext cx="1950539" cy="596503"/>
           </a:xfrm>
           <a:prstGeom prst="rect">
@@ -14989,88 +14937,6 @@
       </p:sp>
       <p:sp>
         <p:nvSpPr>
-          <p:cNvPr id="45" name="TextBox 45"/>
-          <p:cNvSpPr txBox="1"/>
-          <p:nvPr/>
-        </p:nvSpPr>
-        <p:spPr>
-          <a:xfrm>
-            <a:off x="7202986" y="7048052"/>
-            <a:ext cx="1950539" cy="596503"/>
-          </a:xfrm>
-          <a:prstGeom prst="rect">
-            <a:avLst/>
-          </a:prstGeom>
-        </p:spPr>
-        <p:txBody>
-          <a:bodyPr lIns="0" tIns="0" rIns="0" bIns="0" rtlCol="0" anchor="t">
-            <a:spAutoFit/>
-          </a:bodyPr>
-          <a:lstStyle/>
-          <a:p>
-            <a:pPr algn="l">
-              <a:lnSpc>
-                <a:spcPts val="3812"/>
-              </a:lnSpc>
-            </a:pPr>
-            <a:r>
-              <a:rPr lang="en-US" sz="2375">
-                <a:solidFill>
-                  <a:srgbClr val="E0E4E6"/>
-                </a:solidFill>
-                <a:latin typeface="Barlow"/>
-                <a:ea typeface="Barlow"/>
-                <a:cs typeface="Barlow"/>
-                <a:sym typeface="Barlow"/>
-              </a:rPr>
-              <a:t>0.89</a:t>
-            </a:r>
-          </a:p>
-        </p:txBody>
-      </p:sp>
-      <p:sp>
-        <p:nvSpPr>
-          <p:cNvPr id="46" name="TextBox 46"/>
-          <p:cNvSpPr txBox="1"/>
-          <p:nvPr/>
-        </p:nvSpPr>
-        <p:spPr>
-          <a:xfrm>
-            <a:off x="9778308" y="7048052"/>
-            <a:ext cx="1950539" cy="596503"/>
-          </a:xfrm>
-          <a:prstGeom prst="rect">
-            <a:avLst/>
-          </a:prstGeom>
-        </p:spPr>
-        <p:txBody>
-          <a:bodyPr lIns="0" tIns="0" rIns="0" bIns="0" rtlCol="0" anchor="t">
-            <a:spAutoFit/>
-          </a:bodyPr>
-          <a:lstStyle/>
-          <a:p>
-            <a:pPr algn="l">
-              <a:lnSpc>
-                <a:spcPts val="3812"/>
-              </a:lnSpc>
-            </a:pPr>
-            <a:r>
-              <a:rPr lang="en-US" sz="2375">
-                <a:solidFill>
-                  <a:srgbClr val="E0E4E6"/>
-                </a:solidFill>
-                <a:latin typeface="Barlow"/>
-                <a:ea typeface="Barlow"/>
-                <a:cs typeface="Barlow"/>
-                <a:sym typeface="Barlow"/>
-              </a:rPr>
-              <a:t>0.88</a:t>
-            </a:r>
-          </a:p>
-        </p:txBody>
-      </p:sp>
-      <p:sp>
-        <p:nvSpPr>
           <p:cNvPr id="47" name="TextBox 47"/>
           <p:cNvSpPr txBox="1"/>
           <p:nvPr/>
@@ -15160,7 +15026,7 @@
         <p:spPr>
           <a:xfrm>
             <a:off x="1077068" y="8097593"/>
-            <a:ext cx="16133864" cy="1088231"/>
+            <a:ext cx="16133864" cy="913712"/>
           </a:xfrm>
           <a:prstGeom prst="rect">
             <a:avLst/>
@@ -15178,7 +15044,7 @@
               </a:lnSpc>
             </a:pPr>
             <a:r>
-              <a:rPr lang="en-US" sz="2375">
+              <a:rPr lang="en-US" sz="2375" dirty="0">
                 <a:solidFill>
                   <a:srgbClr val="E0E4E6"/>
                 </a:solidFill>
@@ -15187,7 +15053,7 @@
                 <a:cs typeface="Barlow"/>
                 <a:sym typeface="Barlow"/>
               </a:rPr>
-              <a:t>All four models demonstrate comparable high performance, with XGBoost and TabNet showing slightly higher recall (0.90), making them excellent choices for identifying cardiovascular disease cases where missing a positive case is critical.</a:t>
+              <a:t>All four models demonstrate comparable high performance, with Stacking model showing slightly higher recall (0.91), making it an  excellent choices for identifying cardiovascular disease cases where missing a positive case is critical.</a:t>
             </a:r>
           </a:p>
         </p:txBody>
